--- a/Day 1/Introduction to Python.pptx
+++ b/Day 1/Introduction to Python.pptx
@@ -299,7 +299,7 @@
           <a:p>
             <a:fld id="{483D3D5E-6047-4847-BA46-0BCE5925F1FE}" type="datetimeFigureOut">
               <a:rPr lang="en-US" smtClean="0"/>
-              <a:t>2023-08-13</a:t>
+              <a:t>2023-08-14</a:t>
             </a:fld>
             <a:endParaRPr lang="en-US"/>
           </a:p>
@@ -469,7 +469,7 @@
           <a:p>
             <a:fld id="{483D3D5E-6047-4847-BA46-0BCE5925F1FE}" type="datetimeFigureOut">
               <a:rPr lang="en-US" smtClean="0"/>
-              <a:t>2023-08-13</a:t>
+              <a:t>2023-08-14</a:t>
             </a:fld>
             <a:endParaRPr lang="en-US"/>
           </a:p>
@@ -649,7 +649,7 @@
           <a:p>
             <a:fld id="{483D3D5E-6047-4847-BA46-0BCE5925F1FE}" type="datetimeFigureOut">
               <a:rPr lang="en-US" smtClean="0"/>
-              <a:t>2023-08-13</a:t>
+              <a:t>2023-08-14</a:t>
             </a:fld>
             <a:endParaRPr lang="en-US"/>
           </a:p>
@@ -819,7 +819,7 @@
           <a:p>
             <a:fld id="{483D3D5E-6047-4847-BA46-0BCE5925F1FE}" type="datetimeFigureOut">
               <a:rPr lang="en-US" smtClean="0"/>
-              <a:t>2023-08-13</a:t>
+              <a:t>2023-08-14</a:t>
             </a:fld>
             <a:endParaRPr lang="en-US"/>
           </a:p>
@@ -1065,7 +1065,7 @@
           <a:p>
             <a:fld id="{483D3D5E-6047-4847-BA46-0BCE5925F1FE}" type="datetimeFigureOut">
               <a:rPr lang="en-US" smtClean="0"/>
-              <a:t>2023-08-13</a:t>
+              <a:t>2023-08-14</a:t>
             </a:fld>
             <a:endParaRPr lang="en-US"/>
           </a:p>
@@ -1353,7 +1353,7 @@
           <a:p>
             <a:fld id="{483D3D5E-6047-4847-BA46-0BCE5925F1FE}" type="datetimeFigureOut">
               <a:rPr lang="en-US" smtClean="0"/>
-              <a:t>2023-08-13</a:t>
+              <a:t>2023-08-14</a:t>
             </a:fld>
             <a:endParaRPr lang="en-US"/>
           </a:p>
@@ -1775,7 +1775,7 @@
           <a:p>
             <a:fld id="{483D3D5E-6047-4847-BA46-0BCE5925F1FE}" type="datetimeFigureOut">
               <a:rPr lang="en-US" smtClean="0"/>
-              <a:t>2023-08-13</a:t>
+              <a:t>2023-08-14</a:t>
             </a:fld>
             <a:endParaRPr lang="en-US"/>
           </a:p>
@@ -1893,7 +1893,7 @@
           <a:p>
             <a:fld id="{483D3D5E-6047-4847-BA46-0BCE5925F1FE}" type="datetimeFigureOut">
               <a:rPr lang="en-US" smtClean="0"/>
-              <a:t>2023-08-13</a:t>
+              <a:t>2023-08-14</a:t>
             </a:fld>
             <a:endParaRPr lang="en-US"/>
           </a:p>
@@ -1988,7 +1988,7 @@
           <a:p>
             <a:fld id="{483D3D5E-6047-4847-BA46-0BCE5925F1FE}" type="datetimeFigureOut">
               <a:rPr lang="en-US" smtClean="0"/>
-              <a:t>2023-08-13</a:t>
+              <a:t>2023-08-14</a:t>
             </a:fld>
             <a:endParaRPr lang="en-US"/>
           </a:p>
@@ -2265,7 +2265,7 @@
           <a:p>
             <a:fld id="{483D3D5E-6047-4847-BA46-0BCE5925F1FE}" type="datetimeFigureOut">
               <a:rPr lang="en-US" smtClean="0"/>
-              <a:t>2023-08-13</a:t>
+              <a:t>2023-08-14</a:t>
             </a:fld>
             <a:endParaRPr lang="en-US"/>
           </a:p>
@@ -2518,7 +2518,7 @@
           <a:p>
             <a:fld id="{483D3D5E-6047-4847-BA46-0BCE5925F1FE}" type="datetimeFigureOut">
               <a:rPr lang="en-US" smtClean="0"/>
-              <a:t>2023-08-13</a:t>
+              <a:t>2023-08-14</a:t>
             </a:fld>
             <a:endParaRPr lang="en-US"/>
           </a:p>
@@ -2731,7 +2731,7 @@
           <a:p>
             <a:fld id="{483D3D5E-6047-4847-BA46-0BCE5925F1FE}" type="datetimeFigureOut">
               <a:rPr lang="en-US" smtClean="0"/>
-              <a:t>2023-08-13</a:t>
+              <a:t>2023-08-14</a:t>
             </a:fld>
             <a:endParaRPr lang="en-US"/>
           </a:p>
@@ -3368,7 +3368,7 @@
         </p:blipFill>
         <p:spPr>
           <a:xfrm>
-            <a:off x="676655" y="2667000"/>
+            <a:off x="685800" y="2895600"/>
             <a:ext cx="7808495" cy="2247900"/>
           </a:xfrm>
           <a:prstGeom prst="rect">
@@ -3733,8 +3733,13 @@
           <a:p>
             <a:r>
               <a:rPr lang="en-US" dirty="0" smtClean="0"/>
-              <a:t>Daily practice.</a:t>
-            </a:r>
+              <a:t>Daily </a:t>
+            </a:r>
+            <a:r>
+              <a:rPr lang="en-US" dirty="0" smtClean="0"/>
+              <a:t>practice</a:t>
+            </a:r>
+            <a:endParaRPr lang="en-US" dirty="0" smtClean="0"/>
           </a:p>
           <a:p>
             <a:r>
